--- a/DistributedMatlab/EvaluateLightPollution/Documentation/EvaluateLightPollution_Description.pptx
+++ b/DistributedMatlab/EvaluateLightPollution/Documentation/EvaluateLightPollution_Description.pptx
@@ -232,7 +232,7 @@
           <a:p>
             <a:fld id="{0194EAB8-7852-4B56-B494-C0FEF3FD3268}" type="datetimeFigureOut">
               <a:rPr lang="en-US" smtClean="0"/>
-              <a:t>11/20/2024</a:t>
+              <a:t>3/28/2025</a:t>
             </a:fld>
             <a:endParaRPr lang="en-US"/>
           </a:p>
@@ -397,7 +397,7 @@
           <a:p>
             <a:fld id="{86A981A0-5A0A-45C8-8C4F-735F0ADEC0B9}" type="datetimeFigureOut">
               <a:rPr lang="en-US" smtClean="0"/>
-              <a:t>11/20/2024</a:t>
+              <a:t>3/28/2025</a:t>
             </a:fld>
             <a:endParaRPr lang="en-US"/>
           </a:p>
@@ -3265,9 +3265,7 @@
           <p:cNvGraphicFramePr>
             <a:graphicFrameLocks noGrp="1"/>
           </p:cNvGraphicFramePr>
-          <p:nvPr>
-            <p:extLst/>
-          </p:nvPr>
+          <p:nvPr/>
         </p:nvGraphicFramePr>
         <p:xfrm>
           <a:off x="2214284" y="1193061"/>
@@ -12590,9 +12588,7 @@
               <p:cNvGraphicFramePr>
                 <a:graphicFrameLocks noGrp="1"/>
               </p:cNvGraphicFramePr>
-              <p:nvPr>
-                <p:extLst/>
-              </p:nvPr>
+              <p:nvPr/>
             </p:nvGraphicFramePr>
             <p:xfrm>
               <a:off x="1856140" y="3004468"/>
@@ -20049,9 +20045,7 @@
           <p:cNvGraphicFramePr>
             <a:graphicFrameLocks noGrp="1"/>
           </p:cNvGraphicFramePr>
-          <p:nvPr>
-            <p:extLst/>
-          </p:nvPr>
+          <p:nvPr/>
         </p:nvGraphicFramePr>
         <p:xfrm>
           <a:off x="1589314" y="1206694"/>
@@ -37657,6 +37651,12 @@
 </file>
 
 <file path=customXml/item2.xml><?xml version="1.0" encoding="utf-8"?>
+<p:properties xmlns:p="http://schemas.microsoft.com/office/2006/metadata/properties" xmlns:xsi="http://www.w3.org/2001/XMLSchema-instance" xmlns:pc="http://schemas.microsoft.com/office/infopath/2007/PartnerControls">
+  <documentManagement/>
+</p:properties>
+</file>
+
+<file path=customXml/item3.xml><?xml version="1.0" encoding="utf-8"?>
 <ct:contentTypeSchema xmlns:ct="http://schemas.microsoft.com/office/2006/metadata/contentType" xmlns:ma="http://schemas.microsoft.com/office/2006/metadata/properties/metaAttributes" ct:_="" ma:_="" ma:contentTypeName="Document" ma:contentTypeID="0x010100267EC86D36B0224CA5C4FAED4D431100" ma:contentTypeVersion="11" ma:contentTypeDescription="Create a new document." ma:contentTypeScope="" ma:versionID="75c53a7622c0f1b365079235fc462bc8">
   <xsd:schema xmlns:xsd="http://www.w3.org/2001/XMLSchema" xmlns:xs="http://www.w3.org/2001/XMLSchema" xmlns:p="http://schemas.microsoft.com/office/2006/metadata/properties" xmlns:ns2="bd627bbc-ad98-446e-a4a8-6f15fe66cb86" xmlns:ns3="c27f5fce-b55c-4d22-8eb2-bd0448788fc7" targetNamespace="http://schemas.microsoft.com/office/2006/metadata/properties" ma:root="true" ma:fieldsID="bb88545231e2151ab290e14f8495a743" ns2:_="" ns3:_="">
     <xsd:import namespace="bd627bbc-ad98-446e-a4a8-6f15fe66cb86"/>
@@ -37865,12 +37865,6 @@
 </ct:contentTypeSchema>
 </file>
 
-<file path=customXml/item3.xml><?xml version="1.0" encoding="utf-8"?>
-<p:properties xmlns:p="http://schemas.microsoft.com/office/2006/metadata/properties" xmlns:xsi="http://www.w3.org/2001/XMLSchema-instance" xmlns:pc="http://schemas.microsoft.com/office/infopath/2007/PartnerControls">
-  <documentManagement/>
-</p:properties>
-</file>
-
 <file path=customXml/itemProps1.xml><?xml version="1.0" encoding="utf-8"?>
 <ds:datastoreItem xmlns:ds="http://schemas.openxmlformats.org/officeDocument/2006/customXml" ds:itemID="{E22B10E3-7A02-4A11-82C6-58AE189A72C6}">
   <ds:schemaRefs>
@@ -37880,6 +37874,23 @@
 </file>
 
 <file path=customXml/itemProps2.xml><?xml version="1.0" encoding="utf-8"?>
+<ds:datastoreItem xmlns:ds="http://schemas.openxmlformats.org/officeDocument/2006/customXml" ds:itemID="{6E79B05C-9261-4404-96F0-1B121FBC3CD1}">
+  <ds:schemaRefs>
+    <ds:schemaRef ds:uri="http://purl.org/dc/dcmitype/"/>
+    <ds:schemaRef ds:uri="http://schemas.microsoft.com/office/2006/documentManagement/types"/>
+    <ds:schemaRef ds:uri="bd627bbc-ad98-446e-a4a8-6f15fe66cb86"/>
+    <ds:schemaRef ds:uri="c27f5fce-b55c-4d22-8eb2-bd0448788fc7"/>
+    <ds:schemaRef ds:uri="http://www.w3.org/XML/1998/namespace"/>
+    <ds:schemaRef ds:uri="http://purl.org/dc/elements/1.1/"/>
+    <ds:schemaRef ds:uri="http://schemas.microsoft.com/office/infopath/2007/PartnerControls"/>
+    <ds:schemaRef ds:uri="http://schemas.openxmlformats.org/package/2006/metadata/core-properties"/>
+    <ds:schemaRef ds:uri="http://schemas.microsoft.com/office/2006/metadata/properties"/>
+    <ds:schemaRef ds:uri="http://purl.org/dc/terms/"/>
+  </ds:schemaRefs>
+</ds:datastoreItem>
+</file>
+
+<file path=customXml/itemProps3.xml><?xml version="1.0" encoding="utf-8"?>
 <ds:datastoreItem xmlns:ds="http://schemas.openxmlformats.org/officeDocument/2006/customXml" ds:itemID="{7FBEDA1E-98E0-45AD-8191-A7E668B1E7E8}">
   <ds:schemaRefs>
     <ds:schemaRef ds:uri="http://schemas.microsoft.com/office/2006/metadata/contentType"/>
@@ -37896,21 +37907,4 @@
     <ds:schemaRef ds:uri="http://schemas.microsoft.com/internal/obd"/>
   </ds:schemaRefs>
 </ds:datastoreItem>
-</file>
-
-<file path=customXml/itemProps3.xml><?xml version="1.0" encoding="utf-8"?>
-<ds:datastoreItem xmlns:ds="http://schemas.openxmlformats.org/officeDocument/2006/customXml" ds:itemID="{6E79B05C-9261-4404-96F0-1B121FBC3CD1}">
-  <ds:schemaRefs>
-    <ds:schemaRef ds:uri="http://purl.org/dc/dcmitype/"/>
-    <ds:schemaRef ds:uri="bd627bbc-ad98-446e-a4a8-6f15fe66cb86"/>
-    <ds:schemaRef ds:uri="http://purl.org/dc/elements/1.1/"/>
-    <ds:schemaRef ds:uri="http://schemas.microsoft.com/office/2006/documentManagement/types"/>
-    <ds:schemaRef ds:uri="http://schemas.openxmlformats.org/package/2006/metadata/core-properties"/>
-    <ds:schemaRef ds:uri="http://schemas.microsoft.com/office/infopath/2007/PartnerControls"/>
-    <ds:schemaRef ds:uri="http://purl.org/dc/terms/"/>
-    <ds:schemaRef ds:uri="c27f5fce-b55c-4d22-8eb2-bd0448788fc7"/>
-    <ds:schemaRef ds:uri="http://schemas.microsoft.com/office/2006/metadata/properties"/>
-    <ds:schemaRef ds:uri="http://www.w3.org/XML/1998/namespace"/>
-  </ds:schemaRefs>
-</ds:datastoreItem>
 </file>